--- a/01-Maquettes Primitives/refroidissement_res/Evaluation refroidissement banc BASTIE.pptx
+++ b/01-Maquettes Primitives/refroidissement_res/Evaluation refroidissement banc BASTIE.pptx
@@ -252,7 +252,7 @@
           <a:p>
             <a:fld id="{173DD0CE-C943-4E21-BC7B-7FB34C449DF0}" type="datetimeFigureOut">
               <a:rPr lang="fr-FR" smtClean="0"/>
-              <a:t>15/10/2020</a:t>
+              <a:t>20/10/2020</a:t>
             </a:fld>
             <a:endParaRPr lang="fr-FR"/>
           </a:p>
@@ -422,7 +422,7 @@
           <a:p>
             <a:fld id="{173DD0CE-C943-4E21-BC7B-7FB34C449DF0}" type="datetimeFigureOut">
               <a:rPr lang="fr-FR" smtClean="0"/>
-              <a:t>15/10/2020</a:t>
+              <a:t>20/10/2020</a:t>
             </a:fld>
             <a:endParaRPr lang="fr-FR"/>
           </a:p>
@@ -602,7 +602,7 @@
           <a:p>
             <a:fld id="{173DD0CE-C943-4E21-BC7B-7FB34C449DF0}" type="datetimeFigureOut">
               <a:rPr lang="fr-FR" smtClean="0"/>
-              <a:t>15/10/2020</a:t>
+              <a:t>20/10/2020</a:t>
             </a:fld>
             <a:endParaRPr lang="fr-FR"/>
           </a:p>
@@ -772,7 +772,7 @@
           <a:p>
             <a:fld id="{173DD0CE-C943-4E21-BC7B-7FB34C449DF0}" type="datetimeFigureOut">
               <a:rPr lang="fr-FR" smtClean="0"/>
-              <a:t>15/10/2020</a:t>
+              <a:t>20/10/2020</a:t>
             </a:fld>
             <a:endParaRPr lang="fr-FR"/>
           </a:p>
@@ -1016,7 +1016,7 @@
           <a:p>
             <a:fld id="{173DD0CE-C943-4E21-BC7B-7FB34C449DF0}" type="datetimeFigureOut">
               <a:rPr lang="fr-FR" smtClean="0"/>
-              <a:t>15/10/2020</a:t>
+              <a:t>20/10/2020</a:t>
             </a:fld>
             <a:endParaRPr lang="fr-FR"/>
           </a:p>
@@ -1248,7 +1248,7 @@
           <a:p>
             <a:fld id="{173DD0CE-C943-4E21-BC7B-7FB34C449DF0}" type="datetimeFigureOut">
               <a:rPr lang="fr-FR" smtClean="0"/>
-              <a:t>15/10/2020</a:t>
+              <a:t>20/10/2020</a:t>
             </a:fld>
             <a:endParaRPr lang="fr-FR"/>
           </a:p>
@@ -1615,7 +1615,7 @@
           <a:p>
             <a:fld id="{173DD0CE-C943-4E21-BC7B-7FB34C449DF0}" type="datetimeFigureOut">
               <a:rPr lang="fr-FR" smtClean="0"/>
-              <a:t>15/10/2020</a:t>
+              <a:t>20/10/2020</a:t>
             </a:fld>
             <a:endParaRPr lang="fr-FR"/>
           </a:p>
@@ -1733,7 +1733,7 @@
           <a:p>
             <a:fld id="{173DD0CE-C943-4E21-BC7B-7FB34C449DF0}" type="datetimeFigureOut">
               <a:rPr lang="fr-FR" smtClean="0"/>
-              <a:t>15/10/2020</a:t>
+              <a:t>20/10/2020</a:t>
             </a:fld>
             <a:endParaRPr lang="fr-FR"/>
           </a:p>
@@ -1828,7 +1828,7 @@
           <a:p>
             <a:fld id="{173DD0CE-C943-4E21-BC7B-7FB34C449DF0}" type="datetimeFigureOut">
               <a:rPr lang="fr-FR" smtClean="0"/>
-              <a:t>15/10/2020</a:t>
+              <a:t>20/10/2020</a:t>
             </a:fld>
             <a:endParaRPr lang="fr-FR"/>
           </a:p>
@@ -2105,7 +2105,7 @@
           <a:p>
             <a:fld id="{173DD0CE-C943-4E21-BC7B-7FB34C449DF0}" type="datetimeFigureOut">
               <a:rPr lang="fr-FR" smtClean="0"/>
-              <a:t>15/10/2020</a:t>
+              <a:t>20/10/2020</a:t>
             </a:fld>
             <a:endParaRPr lang="fr-FR"/>
           </a:p>
@@ -2362,7 +2362,7 @@
           <a:p>
             <a:fld id="{173DD0CE-C943-4E21-BC7B-7FB34C449DF0}" type="datetimeFigureOut">
               <a:rPr lang="fr-FR" smtClean="0"/>
-              <a:t>15/10/2020</a:t>
+              <a:t>20/10/2020</a:t>
             </a:fld>
             <a:endParaRPr lang="fr-FR"/>
           </a:p>
@@ -2575,7 +2575,7 @@
           <a:p>
             <a:fld id="{173DD0CE-C943-4E21-BC7B-7FB34C449DF0}" type="datetimeFigureOut">
               <a:rPr lang="fr-FR" smtClean="0"/>
-              <a:t>15/10/2020</a:t>
+              <a:t>20/10/2020</a:t>
             </a:fld>
             <a:endParaRPr lang="fr-FR"/>
           </a:p>
@@ -3134,6 +3134,60 @@
           </a:extLst>
         </p:spPr>
       </p:pic>
+      <p:sp>
+        <p:nvSpPr>
+          <p:cNvPr id="2" name="Titre 1">
+            <a:extLst>
+              <a:ext uri="{FF2B5EF4-FFF2-40B4-BE49-F238E27FC236}">
+                <a16:creationId xmlns:a16="http://schemas.microsoft.com/office/drawing/2014/main" id="{BC912759-B7BF-4C63-A6F8-16CB9382ED96}"/>
+              </a:ext>
+            </a:extLst>
+          </p:cNvPr>
+          <p:cNvSpPr txBox="1">
+            <a:spLocks/>
+          </p:cNvSpPr>
+          <p:nvPr/>
+        </p:nvSpPr>
+        <p:spPr>
+          <a:xfrm>
+            <a:off x="255494" y="191827"/>
+            <a:ext cx="7772400" cy="695679"/>
+          </a:xfrm>
+          <a:prstGeom prst="rect">
+            <a:avLst/>
+          </a:prstGeom>
+        </p:spPr>
+        <p:txBody>
+          <a:bodyPr>
+            <a:normAutofit fontScale="97500"/>
+          </a:bodyPr>
+          <a:lstStyle>
+            <a:lvl1pPr algn="l" defTabSz="914400" rtl="0" eaLnBrk="1" latinLnBrk="0" hangingPunct="1">
+              <a:lnSpc>
+                <a:spcPct val="90000"/>
+              </a:lnSpc>
+              <a:spcBef>
+                <a:spcPct val="0"/>
+              </a:spcBef>
+              <a:buNone/>
+              <a:defRPr sz="4400" kern="1200">
+                <a:solidFill>
+                  <a:schemeClr val="tx1"/>
+                </a:solidFill>
+                <a:latin typeface="+mj-lt"/>
+                <a:ea typeface="+mj-ea"/>
+                <a:cs typeface="+mj-cs"/>
+              </a:defRPr>
+            </a:lvl1pPr>
+          </a:lstStyle>
+          <a:p>
+            <a:r>
+              <a:rPr lang="fr-FR" dirty="0"/>
+              <a:t>Un type de ventilateur possible</a:t>
+            </a:r>
+          </a:p>
+        </p:txBody>
+      </p:sp>
     </p:spTree>
     <p:extLst>
       <p:ext uri="{BB962C8B-B14F-4D97-AF65-F5344CB8AC3E}">
@@ -3566,7 +3620,7 @@
           <a:p>
             <a:r>
               <a:rPr lang="fr-FR" sz="2500" dirty="0"/>
-              <a:t>Puissance optimale de 2kW par résistance </a:t>
+              <a:t>Puissance maximale de 2kW par résistance </a:t>
             </a:r>
           </a:p>
           <a:p>
@@ -3988,7 +4042,7 @@
         </p:spPr>
         <p:txBody>
           <a:bodyPr>
-            <a:normAutofit fontScale="75000" lnSpcReduction="20000"/>
+            <a:normAutofit fontScale="60000" lnSpcReduction="20000"/>
           </a:bodyPr>
           <a:lstStyle>
             <a:lvl1pPr algn="l" defTabSz="914400" rtl="0" eaLnBrk="1" latinLnBrk="0" hangingPunct="1">
@@ -4024,7 +4078,15 @@
             </a:r>
             <a:r>
               <a:rPr lang="fr-FR" dirty="0"/>
-              <a:t>W/m^2</a:t>
+              <a:t>W/m^2 (énorme selon les profs de </a:t>
+            </a:r>
+            <a:r>
+              <a:rPr lang="fr-FR" dirty="0" err="1"/>
+              <a:t>Fle</a:t>
+            </a:r>
+            <a:r>
+              <a:rPr lang="fr-FR" dirty="0"/>
+              <a:t>)</a:t>
             </a:r>
           </a:p>
         </p:txBody>
@@ -4168,7 +4230,7 @@
           <a:p>
             <a:r>
               <a:rPr lang="fr-FR" dirty="0"/>
-              <a:t>En dynamique à refroidissement 200W/m^2</a:t>
+              <a:t>En dynamique à refroidissement 5W/m^2</a:t>
             </a:r>
           </a:p>
         </p:txBody>
@@ -4295,10 +4357,10 @@
       </p:grpSpPr>
       <p:sp>
         <p:nvSpPr>
-          <p:cNvPr id="3" name="Titre 1">
+          <p:cNvPr id="2" name="Titre 1">
             <a:extLst>
               <a:ext uri="{FF2B5EF4-FFF2-40B4-BE49-F238E27FC236}">
-                <a16:creationId xmlns:a16="http://schemas.microsoft.com/office/drawing/2014/main" id="{FD289AC6-F7E8-46C7-A98A-297C6E7AA22E}"/>
+                <a16:creationId xmlns:a16="http://schemas.microsoft.com/office/drawing/2014/main" id="{E3AB5838-CA02-4F31-B350-894F957F51C0}"/>
               </a:ext>
             </a:extLst>
           </p:cNvPr>
@@ -4318,7 +4380,7 @@
         </p:spPr>
         <p:txBody>
           <a:bodyPr>
-            <a:normAutofit fontScale="97500"/>
+            <a:normAutofit fontScale="60000" lnSpcReduction="20000"/>
           </a:bodyPr>
           <a:lstStyle>
             <a:lvl1pPr algn="l" defTabSz="914400" rtl="0" eaLnBrk="1" latinLnBrk="0" hangingPunct="1">
@@ -4342,7 +4404,7 @@
           <a:p>
             <a:r>
               <a:rPr lang="fr-FR" dirty="0"/>
-              <a:t>En dynamique</a:t>
+              <a:t>En dynamique à refroidissement 5W/m^2 après 400 secondes</a:t>
             </a:r>
           </a:p>
         </p:txBody>

--- a/01-Maquettes Primitives/refroidissement_res/Evaluation refroidissement banc BASTIE.pptx
+++ b/01-Maquettes Primitives/refroidissement_res/Evaluation refroidissement banc BASTIE.pptx
@@ -14,7 +14,10 @@
     <p:sldId id="264" r:id="rId8"/>
     <p:sldId id="260" r:id="rId9"/>
     <p:sldId id="262" r:id="rId10"/>
-    <p:sldId id="265" r:id="rId11"/>
+    <p:sldId id="266" r:id="rId11"/>
+    <p:sldId id="269" r:id="rId12"/>
+    <p:sldId id="267" r:id="rId13"/>
+    <p:sldId id="268" r:id="rId14"/>
   </p:sldIdLst>
   <p:sldSz cx="9144000" cy="6858000" type="screen4x3"/>
   <p:notesSz cx="6858000" cy="9144000"/>
@@ -3040,106 +3043,204 @@
           <a:chExt cx="0" cy="0"/>
         </a:xfrm>
       </p:grpSpPr>
+      <p:sp>
+        <p:nvSpPr>
+          <p:cNvPr id="2" name="Titre 1">
+            <a:extLst>
+              <a:ext uri="{FF2B5EF4-FFF2-40B4-BE49-F238E27FC236}">
+                <a16:creationId xmlns:a16="http://schemas.microsoft.com/office/drawing/2014/main" id="{E3AB5838-CA02-4F31-B350-894F957F51C0}"/>
+              </a:ext>
+            </a:extLst>
+          </p:cNvPr>
+          <p:cNvSpPr txBox="1">
+            <a:spLocks/>
+          </p:cNvSpPr>
+          <p:nvPr/>
+        </p:nvSpPr>
+        <p:spPr>
+          <a:xfrm>
+            <a:off x="255494" y="191827"/>
+            <a:ext cx="7772400" cy="695679"/>
+          </a:xfrm>
+          <a:prstGeom prst="rect">
+            <a:avLst/>
+          </a:prstGeom>
+        </p:spPr>
+        <p:txBody>
+          <a:bodyPr>
+            <a:normAutofit fontScale="60000" lnSpcReduction="20000"/>
+          </a:bodyPr>
+          <a:lstStyle>
+            <a:lvl1pPr algn="l" defTabSz="914400" rtl="0" eaLnBrk="1" latinLnBrk="0" hangingPunct="1">
+              <a:lnSpc>
+                <a:spcPct val="90000"/>
+              </a:lnSpc>
+              <a:spcBef>
+                <a:spcPct val="0"/>
+              </a:spcBef>
+              <a:buNone/>
+              <a:defRPr sz="4400" kern="1200">
+                <a:solidFill>
+                  <a:schemeClr val="tx1"/>
+                </a:solidFill>
+                <a:latin typeface="+mj-lt"/>
+                <a:ea typeface="+mj-ea"/>
+                <a:cs typeface="+mj-cs"/>
+              </a:defRPr>
+            </a:lvl1pPr>
+          </a:lstStyle>
+          <a:p>
+            <a:r>
+              <a:rPr lang="fr-FR" dirty="0"/>
+              <a:t>Simulation fluent pour connaitre le coefficient h avec un ventilateur de banc de TP</a:t>
+            </a:r>
+          </a:p>
+        </p:txBody>
+      </p:sp>
       <p:pic>
         <p:nvPicPr>
-          <p:cNvPr id="1026" name="Picture 2" descr="Soft-Engine bancs d'essai puissance et logiciels motoristiques -  Accessoires bancs d'essai puissance: VENTILATEUR TURBO 500">
+          <p:cNvPr id="4" name="Image 3">
             <a:extLst>
               <a:ext uri="{FF2B5EF4-FFF2-40B4-BE49-F238E27FC236}">
-                <a16:creationId xmlns:a16="http://schemas.microsoft.com/office/drawing/2014/main" id="{D93D0A15-2B2E-4ACC-AFAC-B21695554F62}"/>
+                <a16:creationId xmlns:a16="http://schemas.microsoft.com/office/drawing/2014/main" id="{93F6D523-8F19-4D12-89F4-D12E8E994796}"/>
               </a:ext>
             </a:extLst>
           </p:cNvPr>
           <p:cNvPicPr>
-            <a:picLocks noChangeAspect="1" noChangeArrowheads="1"/>
+            <a:picLocks noChangeAspect="1"/>
           </p:cNvPicPr>
           <p:nvPr/>
         </p:nvPicPr>
         <p:blipFill>
-          <a:blip r:embed="rId2">
-            <a:extLst>
-              <a:ext uri="{28A0092B-C50C-407E-A947-70E740481C1C}">
-                <a14:useLocalDpi xmlns:a14="http://schemas.microsoft.com/office/drawing/2010/main" val="0"/>
-              </a:ext>
-            </a:extLst>
-          </a:blip>
-          <a:srcRect/>
+          <a:blip r:embed="rId2"/>
           <a:stretch>
             <a:fillRect/>
           </a:stretch>
         </p:blipFill>
-        <p:spPr bwMode="auto">
-          <a:xfrm>
-            <a:off x="1237129" y="1856202"/>
-            <a:ext cx="2650191" cy="2975214"/>
+        <p:spPr>
+          <a:xfrm>
+            <a:off x="855233" y="952698"/>
+            <a:ext cx="7030122" cy="3620896"/>
           </a:xfrm>
           <a:prstGeom prst="rect">
             <a:avLst/>
           </a:prstGeom>
-          <a:noFill/>
-          <a:extLst>
-            <a:ext uri="{909E8E84-426E-40DD-AFC4-6F175D3DCCD1}">
-              <a14:hiddenFill xmlns:a14="http://schemas.microsoft.com/office/drawing/2010/main">
-                <a:solidFill>
-                  <a:srgbClr val="FFFFFF"/>
-                </a:solidFill>
-              </a14:hiddenFill>
-            </a:ext>
-          </a:extLst>
         </p:spPr>
       </p:pic>
-      <p:pic>
-        <p:nvPicPr>
-          <p:cNvPr id="1028" name="Picture 4" descr="Soft-Engine bancs d'essai puissance et logiciels motoristiques - Bancs  d'essai puissance pour motos, accessoires">
+      <p:sp>
+        <p:nvSpPr>
+          <p:cNvPr id="7" name="Titre 1">
             <a:extLst>
               <a:ext uri="{FF2B5EF4-FFF2-40B4-BE49-F238E27FC236}">
-                <a16:creationId xmlns:a16="http://schemas.microsoft.com/office/drawing/2014/main" id="{DDB63C91-5B94-4D86-A367-B1AC3CFDF13D}"/>
+                <a16:creationId xmlns:a16="http://schemas.microsoft.com/office/drawing/2014/main" id="{7E46A304-F412-4CC0-ABB4-1282CF5EB75D}"/>
               </a:ext>
             </a:extLst>
           </p:cNvPr>
-          <p:cNvPicPr>
-            <a:picLocks noChangeAspect="1" noChangeArrowheads="1"/>
-          </p:cNvPicPr>
+          <p:cNvSpPr txBox="1">
+            <a:spLocks/>
+          </p:cNvSpPr>
           <p:nvPr/>
-        </p:nvPicPr>
-        <p:blipFill>
-          <a:blip r:embed="rId3">
-            <a:extLst>
-              <a:ext uri="{28A0092B-C50C-407E-A947-70E740481C1C}">
-                <a14:useLocalDpi xmlns:a14="http://schemas.microsoft.com/office/drawing/2010/main" val="0"/>
-              </a:ext>
-            </a:extLst>
-          </a:blip>
-          <a:srcRect/>
-          <a:stretch>
-            <a:fillRect/>
-          </a:stretch>
-        </p:blipFill>
-        <p:spPr bwMode="auto">
-          <a:xfrm>
-            <a:off x="4905487" y="1778670"/>
-            <a:ext cx="3179333" cy="3592646"/>
+        </p:nvSpPr>
+        <p:spPr>
+          <a:xfrm>
+            <a:off x="761103" y="4679576"/>
+            <a:ext cx="7772400" cy="2043954"/>
           </a:xfrm>
           <a:prstGeom prst="rect">
             <a:avLst/>
           </a:prstGeom>
-          <a:noFill/>
-          <a:extLst>
-            <a:ext uri="{909E8E84-426E-40DD-AFC4-6F175D3DCCD1}">
-              <a14:hiddenFill xmlns:a14="http://schemas.microsoft.com/office/drawing/2010/main">
+        </p:spPr>
+        <p:txBody>
+          <a:bodyPr>
+            <a:normAutofit fontScale="97500" lnSpcReduction="10000"/>
+          </a:bodyPr>
+          <a:lstStyle>
+            <a:lvl1pPr algn="l" defTabSz="914400" rtl="0" eaLnBrk="1" latinLnBrk="0" hangingPunct="1">
+              <a:lnSpc>
+                <a:spcPct val="90000"/>
+              </a:lnSpc>
+              <a:spcBef>
+                <a:spcPct val="0"/>
+              </a:spcBef>
+              <a:buNone/>
+              <a:defRPr sz="4400" kern="1200">
                 <a:solidFill>
-                  <a:srgbClr val="FFFFFF"/>
+                  <a:schemeClr val="tx1"/>
                 </a:solidFill>
-              </a14:hiddenFill>
-            </a:ext>
-          </a:extLst>
-        </p:spPr>
-      </p:pic>
+                <a:latin typeface="+mj-lt"/>
+                <a:ea typeface="+mj-ea"/>
+                <a:cs typeface="+mj-cs"/>
+              </a:defRPr>
+            </a:lvl1pPr>
+          </a:lstStyle>
+          <a:p>
+            <a:r>
+              <a:rPr lang="fr-FR" sz="2500" dirty="0"/>
+              <a:t>2500 m^3 par heure, soit 0,69m^3 / s</a:t>
+            </a:r>
+          </a:p>
+          <a:p>
+            <a:endParaRPr lang="fr-FR" sz="2500" dirty="0"/>
+          </a:p>
+          <a:p>
+            <a:r>
+              <a:rPr lang="fr-FR" sz="2500" dirty="0"/>
+              <a:t>Répartie sur une section de 0,75m^2 on obtient une vitesse de l’air de refroidissement de 0,9m/s</a:t>
+            </a:r>
+          </a:p>
+          <a:p>
+            <a:endParaRPr lang="fr-FR" sz="2500" dirty="0"/>
+          </a:p>
+          <a:p>
+            <a:r>
+              <a:rPr lang="fr-FR" sz="2500" dirty="0"/>
+              <a:t>Le même existe à 10 000 m^3 par heure soit 4m/s</a:t>
+            </a:r>
+          </a:p>
+          <a:p>
+            <a:endParaRPr lang="fr-FR" sz="2500" dirty="0"/>
+          </a:p>
+          <a:p>
+            <a:endParaRPr lang="fr-FR" sz="2500" dirty="0"/>
+          </a:p>
+        </p:txBody>
+      </p:sp>
+    </p:spTree>
+    <p:extLst>
+      <p:ext uri="{BB962C8B-B14F-4D97-AF65-F5344CB8AC3E}">
+        <p14:creationId xmlns:p14="http://schemas.microsoft.com/office/powerpoint/2010/main" val="3816847481"/>
+      </p:ext>
+    </p:extLst>
+  </p:cSld>
+  <p:clrMapOvr>
+    <a:masterClrMapping/>
+  </p:clrMapOvr>
+</p:sld>
+</file>
+
+<file path=ppt/slides/slide11.xml><?xml version="1.0" encoding="utf-8"?>
+<p:sld xmlns:a="http://schemas.openxmlformats.org/drawingml/2006/main" xmlns:r="http://schemas.openxmlformats.org/officeDocument/2006/relationships" xmlns:p="http://schemas.openxmlformats.org/presentationml/2006/main">
+  <p:cSld>
+    <p:spTree>
+      <p:nvGrpSpPr>
+        <p:cNvPr id="1" name=""/>
+        <p:cNvGrpSpPr/>
+        <p:nvPr/>
+      </p:nvGrpSpPr>
+      <p:grpSpPr>
+        <a:xfrm>
+          <a:off x="0" y="0"/>
+          <a:ext cx="0" cy="0"/>
+          <a:chOff x="0" y="0"/>
+          <a:chExt cx="0" cy="0"/>
+        </a:xfrm>
+      </p:grpSpPr>
       <p:sp>
         <p:nvSpPr>
           <p:cNvPr id="2" name="Titre 1">
             <a:extLst>
               <a:ext uri="{FF2B5EF4-FFF2-40B4-BE49-F238E27FC236}">
-                <a16:creationId xmlns:a16="http://schemas.microsoft.com/office/drawing/2014/main" id="{BC912759-B7BF-4C63-A6F8-16CB9382ED96}"/>
+                <a16:creationId xmlns:a16="http://schemas.microsoft.com/office/drawing/2014/main" id="{E3AB5838-CA02-4F31-B350-894F957F51C0}"/>
               </a:ext>
             </a:extLst>
           </p:cNvPr>
@@ -3183,15 +3284,418 @@
           <a:p>
             <a:r>
               <a:rPr lang="fr-FR" dirty="0"/>
-              <a:t>Un type de ventilateur possible</a:t>
-            </a:r>
+              <a:t>Recherche du h </a:t>
+            </a:r>
+          </a:p>
+        </p:txBody>
+      </p:sp>
+      <p:pic>
+        <p:nvPicPr>
+          <p:cNvPr id="3" name="Image 2">
+            <a:extLst>
+              <a:ext uri="{FF2B5EF4-FFF2-40B4-BE49-F238E27FC236}">
+                <a16:creationId xmlns:a16="http://schemas.microsoft.com/office/drawing/2014/main" id="{84251D27-B808-45B7-AB7E-9F1D09FA33C6}"/>
+              </a:ext>
+            </a:extLst>
+          </p:cNvPr>
+          <p:cNvPicPr>
+            <a:picLocks noChangeAspect="1"/>
+          </p:cNvPicPr>
+          <p:nvPr/>
+        </p:nvPicPr>
+        <p:blipFill>
+          <a:blip r:embed="rId2"/>
+          <a:stretch>
+            <a:fillRect/>
+          </a:stretch>
+        </p:blipFill>
+        <p:spPr>
+          <a:xfrm>
+            <a:off x="847164" y="1080358"/>
+            <a:ext cx="7449671" cy="4288493"/>
+          </a:xfrm>
+          <a:prstGeom prst="rect">
+            <a:avLst/>
+          </a:prstGeom>
+        </p:spPr>
+      </p:pic>
+      <p:sp>
+        <p:nvSpPr>
+          <p:cNvPr id="6" name="Titre 1">
+            <a:extLst>
+              <a:ext uri="{FF2B5EF4-FFF2-40B4-BE49-F238E27FC236}">
+                <a16:creationId xmlns:a16="http://schemas.microsoft.com/office/drawing/2014/main" id="{4FF72C91-F53C-44C4-A99D-65DF6480A35F}"/>
+              </a:ext>
+            </a:extLst>
+          </p:cNvPr>
+          <p:cNvSpPr txBox="1">
+            <a:spLocks/>
+          </p:cNvSpPr>
+          <p:nvPr/>
+        </p:nvSpPr>
+        <p:spPr>
+          <a:xfrm>
+            <a:off x="559398" y="5816638"/>
+            <a:ext cx="7772400" cy="695679"/>
+          </a:xfrm>
+          <a:prstGeom prst="rect">
+            <a:avLst/>
+          </a:prstGeom>
+        </p:spPr>
+        <p:txBody>
+          <a:bodyPr>
+            <a:normAutofit fontScale="60000" lnSpcReduction="20000"/>
+          </a:bodyPr>
+          <a:lstStyle>
+            <a:lvl1pPr algn="l" defTabSz="914400" rtl="0" eaLnBrk="1" latinLnBrk="0" hangingPunct="1">
+              <a:lnSpc>
+                <a:spcPct val="90000"/>
+              </a:lnSpc>
+              <a:spcBef>
+                <a:spcPct val="0"/>
+              </a:spcBef>
+              <a:buNone/>
+              <a:defRPr sz="4400" kern="1200">
+                <a:solidFill>
+                  <a:schemeClr val="tx1"/>
+                </a:solidFill>
+                <a:latin typeface="+mj-lt"/>
+                <a:ea typeface="+mj-ea"/>
+                <a:cs typeface="+mj-cs"/>
+              </a:defRPr>
+            </a:lvl1pPr>
+          </a:lstStyle>
+          <a:p>
+            <a:r>
+              <a:rPr lang="fr-FR" dirty="0">
+                <a:solidFill>
+                  <a:srgbClr val="FF0000"/>
+                </a:solidFill>
+              </a:rPr>
+              <a:t>Bilan : On peut </a:t>
+            </a:r>
+            <a:r>
+              <a:rPr lang="fr-FR" dirty="0" err="1">
+                <a:solidFill>
+                  <a:srgbClr val="FF0000"/>
+                </a:solidFill>
+              </a:rPr>
+              <a:t>expérer</a:t>
+            </a:r>
+            <a:r>
+              <a:rPr lang="fr-FR" dirty="0">
+                <a:solidFill>
+                  <a:srgbClr val="FF0000"/>
+                </a:solidFill>
+              </a:rPr>
+              <a:t> mieux avec des R et pas uniquement un cylindre. Ainsi cela </a:t>
+            </a:r>
+            <a:r>
+              <a:rPr lang="fr-FR">
+                <a:solidFill>
+                  <a:srgbClr val="FF0000"/>
+                </a:solidFill>
+              </a:rPr>
+              <a:t>semble encourageant</a:t>
+            </a:r>
+            <a:endParaRPr lang="fr-FR" dirty="0">
+              <a:solidFill>
+                <a:srgbClr val="FF0000"/>
+              </a:solidFill>
+            </a:endParaRPr>
           </a:p>
         </p:txBody>
       </p:sp>
     </p:spTree>
     <p:extLst>
       <p:ext uri="{BB962C8B-B14F-4D97-AF65-F5344CB8AC3E}">
-        <p14:creationId xmlns:p14="http://schemas.microsoft.com/office/powerpoint/2010/main" val="839387397"/>
+        <p14:creationId xmlns:p14="http://schemas.microsoft.com/office/powerpoint/2010/main" val="2899522038"/>
+      </p:ext>
+    </p:extLst>
+  </p:cSld>
+  <p:clrMapOvr>
+    <a:masterClrMapping/>
+  </p:clrMapOvr>
+</p:sld>
+</file>
+
+<file path=ppt/slides/slide12.xml><?xml version="1.0" encoding="utf-8"?>
+<p:sld xmlns:a="http://schemas.openxmlformats.org/drawingml/2006/main" xmlns:r="http://schemas.openxmlformats.org/officeDocument/2006/relationships" xmlns:p="http://schemas.openxmlformats.org/presentationml/2006/main">
+  <p:cSld>
+    <p:spTree>
+      <p:nvGrpSpPr>
+        <p:cNvPr id="1" name=""/>
+        <p:cNvGrpSpPr/>
+        <p:nvPr/>
+      </p:nvGrpSpPr>
+      <p:grpSpPr>
+        <a:xfrm>
+          <a:off x="0" y="0"/>
+          <a:ext cx="0" cy="0"/>
+          <a:chOff x="0" y="0"/>
+          <a:chExt cx="0" cy="0"/>
+        </a:xfrm>
+      </p:grpSpPr>
+      <p:sp>
+        <p:nvSpPr>
+          <p:cNvPr id="2" name="Titre 1">
+            <a:extLst>
+              <a:ext uri="{FF2B5EF4-FFF2-40B4-BE49-F238E27FC236}">
+                <a16:creationId xmlns:a16="http://schemas.microsoft.com/office/drawing/2014/main" id="{E3AB5838-CA02-4F31-B350-894F957F51C0}"/>
+              </a:ext>
+            </a:extLst>
+          </p:cNvPr>
+          <p:cNvSpPr txBox="1">
+            <a:spLocks/>
+          </p:cNvSpPr>
+          <p:nvPr/>
+        </p:nvSpPr>
+        <p:spPr>
+          <a:xfrm>
+            <a:off x="255494" y="191827"/>
+            <a:ext cx="7772400" cy="695679"/>
+          </a:xfrm>
+          <a:prstGeom prst="rect">
+            <a:avLst/>
+          </a:prstGeom>
+        </p:spPr>
+        <p:txBody>
+          <a:bodyPr>
+            <a:normAutofit fontScale="60000" lnSpcReduction="20000"/>
+          </a:bodyPr>
+          <a:lstStyle>
+            <a:lvl1pPr algn="l" defTabSz="914400" rtl="0" eaLnBrk="1" latinLnBrk="0" hangingPunct="1">
+              <a:lnSpc>
+                <a:spcPct val="90000"/>
+              </a:lnSpc>
+              <a:spcBef>
+                <a:spcPct val="0"/>
+              </a:spcBef>
+              <a:buNone/>
+              <a:defRPr sz="4400" kern="1200">
+                <a:solidFill>
+                  <a:schemeClr val="tx1"/>
+                </a:solidFill>
+                <a:latin typeface="+mj-lt"/>
+                <a:ea typeface="+mj-ea"/>
+                <a:cs typeface="+mj-cs"/>
+              </a:defRPr>
+            </a:lvl1pPr>
+          </a:lstStyle>
+          <a:p>
+            <a:r>
+              <a:rPr lang="fr-FR" dirty="0"/>
+              <a:t>En dynamique à refroidissement 5W/m^2 après 400 secondes</a:t>
+            </a:r>
+          </a:p>
+        </p:txBody>
+      </p:sp>
+      <p:pic>
+        <p:nvPicPr>
+          <p:cNvPr id="4" name="Image 3">
+            <a:extLst>
+              <a:ext uri="{FF2B5EF4-FFF2-40B4-BE49-F238E27FC236}">
+                <a16:creationId xmlns:a16="http://schemas.microsoft.com/office/drawing/2014/main" id="{EA99B65D-638D-4EEF-B5B7-2D7E6D8DAECB}"/>
+              </a:ext>
+            </a:extLst>
+          </p:cNvPr>
+          <p:cNvPicPr>
+            <a:picLocks noChangeAspect="1"/>
+          </p:cNvPicPr>
+          <p:nvPr/>
+        </p:nvPicPr>
+        <p:blipFill>
+          <a:blip r:embed="rId2"/>
+          <a:stretch>
+            <a:fillRect/>
+          </a:stretch>
+        </p:blipFill>
+        <p:spPr>
+          <a:xfrm>
+            <a:off x="586292" y="1515687"/>
+            <a:ext cx="7971416" cy="3528007"/>
+          </a:xfrm>
+          <a:prstGeom prst="rect">
+            <a:avLst/>
+          </a:prstGeom>
+        </p:spPr>
+      </p:pic>
+    </p:spTree>
+    <p:extLst>
+      <p:ext uri="{BB962C8B-B14F-4D97-AF65-F5344CB8AC3E}">
+        <p14:creationId xmlns:p14="http://schemas.microsoft.com/office/powerpoint/2010/main" val="1556961562"/>
+      </p:ext>
+    </p:extLst>
+  </p:cSld>
+  <p:clrMapOvr>
+    <a:masterClrMapping/>
+  </p:clrMapOvr>
+</p:sld>
+</file>
+
+<file path=ppt/slides/slide13.xml><?xml version="1.0" encoding="utf-8"?>
+<p:sld xmlns:a="http://schemas.openxmlformats.org/drawingml/2006/main" xmlns:r="http://schemas.openxmlformats.org/officeDocument/2006/relationships" xmlns:p="http://schemas.openxmlformats.org/presentationml/2006/main">
+  <p:cSld>
+    <p:spTree>
+      <p:nvGrpSpPr>
+        <p:cNvPr id="1" name=""/>
+        <p:cNvGrpSpPr/>
+        <p:nvPr/>
+      </p:nvGrpSpPr>
+      <p:grpSpPr>
+        <a:xfrm>
+          <a:off x="0" y="0"/>
+          <a:ext cx="0" cy="0"/>
+          <a:chOff x="0" y="0"/>
+          <a:chExt cx="0" cy="0"/>
+        </a:xfrm>
+      </p:grpSpPr>
+      <p:sp>
+        <p:nvSpPr>
+          <p:cNvPr id="2" name="Titre 1">
+            <a:extLst>
+              <a:ext uri="{FF2B5EF4-FFF2-40B4-BE49-F238E27FC236}">
+                <a16:creationId xmlns:a16="http://schemas.microsoft.com/office/drawing/2014/main" id="{E3AB5838-CA02-4F31-B350-894F957F51C0}"/>
+              </a:ext>
+            </a:extLst>
+          </p:cNvPr>
+          <p:cNvSpPr txBox="1">
+            <a:spLocks/>
+          </p:cNvSpPr>
+          <p:nvPr/>
+        </p:nvSpPr>
+        <p:spPr>
+          <a:xfrm>
+            <a:off x="255494" y="191827"/>
+            <a:ext cx="7772400" cy="695679"/>
+          </a:xfrm>
+          <a:prstGeom prst="rect">
+            <a:avLst/>
+          </a:prstGeom>
+        </p:spPr>
+        <p:txBody>
+          <a:bodyPr>
+            <a:normAutofit fontScale="60000" lnSpcReduction="20000"/>
+          </a:bodyPr>
+          <a:lstStyle>
+            <a:lvl1pPr algn="l" defTabSz="914400" rtl="0" eaLnBrk="1" latinLnBrk="0" hangingPunct="1">
+              <a:lnSpc>
+                <a:spcPct val="90000"/>
+              </a:lnSpc>
+              <a:spcBef>
+                <a:spcPct val="0"/>
+              </a:spcBef>
+              <a:buNone/>
+              <a:defRPr sz="4400" kern="1200">
+                <a:solidFill>
+                  <a:schemeClr val="tx1"/>
+                </a:solidFill>
+                <a:latin typeface="+mj-lt"/>
+                <a:ea typeface="+mj-ea"/>
+                <a:cs typeface="+mj-cs"/>
+              </a:defRPr>
+            </a:lvl1pPr>
+          </a:lstStyle>
+          <a:p>
+            <a:r>
+              <a:rPr lang="fr-FR" dirty="0"/>
+              <a:t>En dynamique à refroidissement 70W/m^2 après 800 secondes</a:t>
+            </a:r>
+          </a:p>
+        </p:txBody>
+      </p:sp>
+      <p:sp>
+        <p:nvSpPr>
+          <p:cNvPr id="5" name="Titre 1">
+            <a:extLst>
+              <a:ext uri="{FF2B5EF4-FFF2-40B4-BE49-F238E27FC236}">
+                <a16:creationId xmlns:a16="http://schemas.microsoft.com/office/drawing/2014/main" id="{32E3135E-B43A-4814-AB51-77277A99FFF1}"/>
+              </a:ext>
+            </a:extLst>
+          </p:cNvPr>
+          <p:cNvSpPr txBox="1">
+            <a:spLocks/>
+          </p:cNvSpPr>
+          <p:nvPr/>
+        </p:nvSpPr>
+        <p:spPr>
+          <a:xfrm>
+            <a:off x="559398" y="5816638"/>
+            <a:ext cx="7772400" cy="695679"/>
+          </a:xfrm>
+          <a:prstGeom prst="rect">
+            <a:avLst/>
+          </a:prstGeom>
+        </p:spPr>
+        <p:txBody>
+          <a:bodyPr>
+            <a:normAutofit fontScale="60000" lnSpcReduction="20000"/>
+          </a:bodyPr>
+          <a:lstStyle>
+            <a:lvl1pPr algn="l" defTabSz="914400" rtl="0" eaLnBrk="1" latinLnBrk="0" hangingPunct="1">
+              <a:lnSpc>
+                <a:spcPct val="90000"/>
+              </a:lnSpc>
+              <a:spcBef>
+                <a:spcPct val="0"/>
+              </a:spcBef>
+              <a:buNone/>
+              <a:defRPr sz="4400" kern="1200">
+                <a:solidFill>
+                  <a:schemeClr val="tx1"/>
+                </a:solidFill>
+                <a:latin typeface="+mj-lt"/>
+                <a:ea typeface="+mj-ea"/>
+                <a:cs typeface="+mj-cs"/>
+              </a:defRPr>
+            </a:lvl1pPr>
+          </a:lstStyle>
+          <a:p>
+            <a:r>
+              <a:rPr lang="fr-FR" dirty="0">
+                <a:solidFill>
+                  <a:srgbClr val="FF0000"/>
+                </a:solidFill>
+              </a:rPr>
+              <a:t>Bilan : En un peu plus de 12 min la température ne dépasse pas le max de 250 degré, cela semble jouable</a:t>
+            </a:r>
+          </a:p>
+        </p:txBody>
+      </p:sp>
+      <p:pic>
+        <p:nvPicPr>
+          <p:cNvPr id="3" name="Image 2">
+            <a:extLst>
+              <a:ext uri="{FF2B5EF4-FFF2-40B4-BE49-F238E27FC236}">
+                <a16:creationId xmlns:a16="http://schemas.microsoft.com/office/drawing/2014/main" id="{C43A1338-D9C0-40BC-A24D-A831ED4FB981}"/>
+              </a:ext>
+            </a:extLst>
+          </p:cNvPr>
+          <p:cNvPicPr>
+            <a:picLocks noChangeAspect="1"/>
+          </p:cNvPicPr>
+          <p:nvPr/>
+        </p:nvPicPr>
+        <p:blipFill>
+          <a:blip r:embed="rId2"/>
+          <a:stretch>
+            <a:fillRect/>
+          </a:stretch>
+        </p:blipFill>
+        <p:spPr>
+          <a:xfrm>
+            <a:off x="626633" y="1263771"/>
+            <a:ext cx="7637929" cy="4176602"/>
+          </a:xfrm>
+          <a:prstGeom prst="rect">
+            <a:avLst/>
+          </a:prstGeom>
+        </p:spPr>
+      </p:pic>
+    </p:spTree>
+    <p:extLst>
+      <p:ext uri="{BB962C8B-B14F-4D97-AF65-F5344CB8AC3E}">
+        <p14:creationId xmlns:p14="http://schemas.microsoft.com/office/powerpoint/2010/main" val="2872091717"/>
       </p:ext>
     </p:extLst>
   </p:cSld>
@@ -3567,7 +4071,7 @@
         <p:spPr>
           <a:xfrm>
             <a:off x="255494" y="191827"/>
-            <a:ext cx="7772400" cy="5810940"/>
+            <a:ext cx="7772400" cy="3153801"/>
           </a:xfrm>
           <a:prstGeom prst="rect">
             <a:avLst/>
@@ -3987,6 +4491,64 @@
           </a:prstGeom>
         </p:spPr>
       </p:pic>
+      <p:sp>
+        <p:nvSpPr>
+          <p:cNvPr id="7" name="Titre 1">
+            <a:extLst>
+              <a:ext uri="{FF2B5EF4-FFF2-40B4-BE49-F238E27FC236}">
+                <a16:creationId xmlns:a16="http://schemas.microsoft.com/office/drawing/2014/main" id="{45B04F94-E131-4B34-A31C-33BEC941579D}"/>
+              </a:ext>
+            </a:extLst>
+          </p:cNvPr>
+          <p:cNvSpPr txBox="1">
+            <a:spLocks/>
+          </p:cNvSpPr>
+          <p:nvPr/>
+        </p:nvSpPr>
+        <p:spPr>
+          <a:xfrm>
+            <a:off x="559398" y="6015654"/>
+            <a:ext cx="7772400" cy="695679"/>
+          </a:xfrm>
+          <a:prstGeom prst="rect">
+            <a:avLst/>
+          </a:prstGeom>
+        </p:spPr>
+        <p:txBody>
+          <a:bodyPr>
+            <a:normAutofit fontScale="60000" lnSpcReduction="20000"/>
+          </a:bodyPr>
+          <a:lstStyle>
+            <a:lvl1pPr algn="l" defTabSz="914400" rtl="0" eaLnBrk="1" latinLnBrk="0" hangingPunct="1">
+              <a:lnSpc>
+                <a:spcPct val="90000"/>
+              </a:lnSpc>
+              <a:spcBef>
+                <a:spcPct val="0"/>
+              </a:spcBef>
+              <a:buNone/>
+              <a:defRPr sz="4400" kern="1200">
+                <a:solidFill>
+                  <a:schemeClr val="tx1"/>
+                </a:solidFill>
+                <a:latin typeface="+mj-lt"/>
+                <a:ea typeface="+mj-ea"/>
+                <a:cs typeface="+mj-cs"/>
+              </a:defRPr>
+            </a:lvl1pPr>
+          </a:lstStyle>
+          <a:p>
+            <a:r>
+              <a:rPr lang="fr-FR" dirty="0">
+                <a:solidFill>
+                  <a:srgbClr val="FF0000"/>
+                </a:solidFill>
+              </a:rPr>
+              <a:t>Bilan : En stationnaire la température est énorme mais cela en représente pas la réalité</a:t>
+            </a:r>
+          </a:p>
+        </p:txBody>
+      </p:sp>
     </p:spTree>
     <p:extLst>
       <p:ext uri="{BB962C8B-B14F-4D97-AF65-F5344CB8AC3E}">
@@ -4143,7 +4705,7 @@
         </p:blipFill>
         <p:spPr>
           <a:xfrm>
-            <a:off x="2802368" y="4793921"/>
+            <a:off x="3480100" y="3325502"/>
             <a:ext cx="5018442" cy="1872252"/>
           </a:xfrm>
           <a:prstGeom prst="rect">
@@ -4151,6 +4713,64 @@
           </a:prstGeom>
         </p:spPr>
       </p:pic>
+      <p:sp>
+        <p:nvSpPr>
+          <p:cNvPr id="6" name="Titre 1">
+            <a:extLst>
+              <a:ext uri="{FF2B5EF4-FFF2-40B4-BE49-F238E27FC236}">
+                <a16:creationId xmlns:a16="http://schemas.microsoft.com/office/drawing/2014/main" id="{BAA59343-6820-4D9C-84B2-E06B7142298D}"/>
+              </a:ext>
+            </a:extLst>
+          </p:cNvPr>
+          <p:cNvSpPr txBox="1">
+            <a:spLocks/>
+          </p:cNvSpPr>
+          <p:nvPr/>
+        </p:nvSpPr>
+        <p:spPr>
+          <a:xfrm>
+            <a:off x="554019" y="5547696"/>
+            <a:ext cx="7772400" cy="695679"/>
+          </a:xfrm>
+          <a:prstGeom prst="rect">
+            <a:avLst/>
+          </a:prstGeom>
+        </p:spPr>
+        <p:txBody>
+          <a:bodyPr>
+            <a:normAutofit fontScale="60000" lnSpcReduction="20000"/>
+          </a:bodyPr>
+          <a:lstStyle>
+            <a:lvl1pPr algn="l" defTabSz="914400" rtl="0" eaLnBrk="1" latinLnBrk="0" hangingPunct="1">
+              <a:lnSpc>
+                <a:spcPct val="90000"/>
+              </a:lnSpc>
+              <a:spcBef>
+                <a:spcPct val="0"/>
+              </a:spcBef>
+              <a:buNone/>
+              <a:defRPr sz="4400" kern="1200">
+                <a:solidFill>
+                  <a:schemeClr val="tx1"/>
+                </a:solidFill>
+                <a:latin typeface="+mj-lt"/>
+                <a:ea typeface="+mj-ea"/>
+                <a:cs typeface="+mj-cs"/>
+              </a:defRPr>
+            </a:lvl1pPr>
+          </a:lstStyle>
+          <a:p>
+            <a:r>
+              <a:rPr lang="fr-FR" dirty="0">
+                <a:solidFill>
+                  <a:srgbClr val="FF0000"/>
+                </a:solidFill>
+              </a:rPr>
+              <a:t>Bilan : Il est possible même en dynamique d’envisager un refroidissement par convection d’air</a:t>
+            </a:r>
+          </a:p>
+        </p:txBody>
+      </p:sp>
     </p:spTree>
     <p:extLst>
       <p:ext uri="{BB962C8B-B14F-4D97-AF65-F5344CB8AC3E}">
@@ -4406,6 +5026,123 @@
               <a:rPr lang="fr-FR" dirty="0"/>
               <a:t>En dynamique à refroidissement 5W/m^2 après 400 secondes</a:t>
             </a:r>
+          </a:p>
+        </p:txBody>
+      </p:sp>
+      <p:pic>
+        <p:nvPicPr>
+          <p:cNvPr id="3" name="Image 2">
+            <a:extLst>
+              <a:ext uri="{FF2B5EF4-FFF2-40B4-BE49-F238E27FC236}">
+                <a16:creationId xmlns:a16="http://schemas.microsoft.com/office/drawing/2014/main" id="{1E8C0D27-2F56-41DF-997E-9A2E35DB61B0}"/>
+              </a:ext>
+            </a:extLst>
+          </p:cNvPr>
+          <p:cNvPicPr>
+            <a:picLocks noChangeAspect="1"/>
+          </p:cNvPicPr>
+          <p:nvPr/>
+        </p:nvPicPr>
+        <p:blipFill>
+          <a:blip r:embed="rId2"/>
+          <a:stretch>
+            <a:fillRect/>
+          </a:stretch>
+        </p:blipFill>
+        <p:spPr>
+          <a:xfrm>
+            <a:off x="858196" y="1145690"/>
+            <a:ext cx="7473602" cy="4412764"/>
+          </a:xfrm>
+          <a:prstGeom prst="rect">
+            <a:avLst/>
+          </a:prstGeom>
+        </p:spPr>
+      </p:pic>
+      <p:sp>
+        <p:nvSpPr>
+          <p:cNvPr id="5" name="Titre 1">
+            <a:extLst>
+              <a:ext uri="{FF2B5EF4-FFF2-40B4-BE49-F238E27FC236}">
+                <a16:creationId xmlns:a16="http://schemas.microsoft.com/office/drawing/2014/main" id="{32E3135E-B43A-4814-AB51-77277A99FFF1}"/>
+              </a:ext>
+            </a:extLst>
+          </p:cNvPr>
+          <p:cNvSpPr txBox="1">
+            <a:spLocks/>
+          </p:cNvSpPr>
+          <p:nvPr/>
+        </p:nvSpPr>
+        <p:spPr>
+          <a:xfrm>
+            <a:off x="559398" y="5816638"/>
+            <a:ext cx="7772400" cy="695679"/>
+          </a:xfrm>
+          <a:prstGeom prst="rect">
+            <a:avLst/>
+          </a:prstGeom>
+        </p:spPr>
+        <p:txBody>
+          <a:bodyPr>
+            <a:normAutofit fontScale="52500" lnSpcReduction="20000"/>
+          </a:bodyPr>
+          <a:lstStyle>
+            <a:lvl1pPr algn="l" defTabSz="914400" rtl="0" eaLnBrk="1" latinLnBrk="0" hangingPunct="1">
+              <a:lnSpc>
+                <a:spcPct val="90000"/>
+              </a:lnSpc>
+              <a:spcBef>
+                <a:spcPct val="0"/>
+              </a:spcBef>
+              <a:buNone/>
+              <a:defRPr sz="4400" kern="1200">
+                <a:solidFill>
+                  <a:schemeClr val="tx1"/>
+                </a:solidFill>
+                <a:latin typeface="+mj-lt"/>
+                <a:ea typeface="+mj-ea"/>
+                <a:cs typeface="+mj-cs"/>
+              </a:defRPr>
+            </a:lvl1pPr>
+          </a:lstStyle>
+          <a:p>
+            <a:r>
+              <a:rPr lang="fr-FR" dirty="0">
+                <a:solidFill>
+                  <a:srgbClr val="FF0000"/>
+                </a:solidFill>
+              </a:rPr>
+              <a:t>Bilan : En un peu plus de 6 min la température devient critique =&gt; il est donc </a:t>
+            </a:r>
+            <a:r>
+              <a:rPr lang="fr-FR" dirty="0" err="1">
+                <a:solidFill>
+                  <a:srgbClr val="FF0000"/>
+                </a:solidFill>
+              </a:rPr>
+              <a:t>necessaire</a:t>
+            </a:r>
+            <a:r>
+              <a:rPr lang="fr-FR" dirty="0">
+                <a:solidFill>
+                  <a:srgbClr val="FF0000"/>
+                </a:solidFill>
+              </a:rPr>
+              <a:t> de prendre un </a:t>
+            </a:r>
+            <a:r>
+              <a:rPr lang="fr-FR" dirty="0" err="1">
+                <a:solidFill>
+                  <a:srgbClr val="FF0000"/>
+                </a:solidFill>
+              </a:rPr>
+              <a:t>ventillateur</a:t>
+            </a:r>
+            <a:endParaRPr lang="fr-FR" dirty="0">
+              <a:solidFill>
+                <a:srgbClr val="FF0000"/>
+              </a:solidFill>
+            </a:endParaRPr>
           </a:p>
         </p:txBody>
       </p:sp>

--- a/01-Maquettes Primitives/refroidissement_res/Evaluation refroidissement banc BASTIE.pptx
+++ b/01-Maquettes Primitives/refroidissement_res/Evaluation refroidissement banc BASTIE.pptx
@@ -255,7 +255,7 @@
           <a:p>
             <a:fld id="{173DD0CE-C943-4E21-BC7B-7FB34C449DF0}" type="datetimeFigureOut">
               <a:rPr lang="fr-FR" smtClean="0"/>
-              <a:t>20/10/2020</a:t>
+              <a:t>21/10/2020</a:t>
             </a:fld>
             <a:endParaRPr lang="fr-FR"/>
           </a:p>
@@ -425,7 +425,7 @@
           <a:p>
             <a:fld id="{173DD0CE-C943-4E21-BC7B-7FB34C449DF0}" type="datetimeFigureOut">
               <a:rPr lang="fr-FR" smtClean="0"/>
-              <a:t>20/10/2020</a:t>
+              <a:t>21/10/2020</a:t>
             </a:fld>
             <a:endParaRPr lang="fr-FR"/>
           </a:p>
@@ -605,7 +605,7 @@
           <a:p>
             <a:fld id="{173DD0CE-C943-4E21-BC7B-7FB34C449DF0}" type="datetimeFigureOut">
               <a:rPr lang="fr-FR" smtClean="0"/>
-              <a:t>20/10/2020</a:t>
+              <a:t>21/10/2020</a:t>
             </a:fld>
             <a:endParaRPr lang="fr-FR"/>
           </a:p>
@@ -775,7 +775,7 @@
           <a:p>
             <a:fld id="{173DD0CE-C943-4E21-BC7B-7FB34C449DF0}" type="datetimeFigureOut">
               <a:rPr lang="fr-FR" smtClean="0"/>
-              <a:t>20/10/2020</a:t>
+              <a:t>21/10/2020</a:t>
             </a:fld>
             <a:endParaRPr lang="fr-FR"/>
           </a:p>
@@ -1019,7 +1019,7 @@
           <a:p>
             <a:fld id="{173DD0CE-C943-4E21-BC7B-7FB34C449DF0}" type="datetimeFigureOut">
               <a:rPr lang="fr-FR" smtClean="0"/>
-              <a:t>20/10/2020</a:t>
+              <a:t>21/10/2020</a:t>
             </a:fld>
             <a:endParaRPr lang="fr-FR"/>
           </a:p>
@@ -1251,7 +1251,7 @@
           <a:p>
             <a:fld id="{173DD0CE-C943-4E21-BC7B-7FB34C449DF0}" type="datetimeFigureOut">
               <a:rPr lang="fr-FR" smtClean="0"/>
-              <a:t>20/10/2020</a:t>
+              <a:t>21/10/2020</a:t>
             </a:fld>
             <a:endParaRPr lang="fr-FR"/>
           </a:p>
@@ -1618,7 +1618,7 @@
           <a:p>
             <a:fld id="{173DD0CE-C943-4E21-BC7B-7FB34C449DF0}" type="datetimeFigureOut">
               <a:rPr lang="fr-FR" smtClean="0"/>
-              <a:t>20/10/2020</a:t>
+              <a:t>21/10/2020</a:t>
             </a:fld>
             <a:endParaRPr lang="fr-FR"/>
           </a:p>
@@ -1736,7 +1736,7 @@
           <a:p>
             <a:fld id="{173DD0CE-C943-4E21-BC7B-7FB34C449DF0}" type="datetimeFigureOut">
               <a:rPr lang="fr-FR" smtClean="0"/>
-              <a:t>20/10/2020</a:t>
+              <a:t>21/10/2020</a:t>
             </a:fld>
             <a:endParaRPr lang="fr-FR"/>
           </a:p>
@@ -1831,7 +1831,7 @@
           <a:p>
             <a:fld id="{173DD0CE-C943-4E21-BC7B-7FB34C449DF0}" type="datetimeFigureOut">
               <a:rPr lang="fr-FR" smtClean="0"/>
-              <a:t>20/10/2020</a:t>
+              <a:t>21/10/2020</a:t>
             </a:fld>
             <a:endParaRPr lang="fr-FR"/>
           </a:p>
@@ -2108,7 +2108,7 @@
           <a:p>
             <a:fld id="{173DD0CE-C943-4E21-BC7B-7FB34C449DF0}" type="datetimeFigureOut">
               <a:rPr lang="fr-FR" smtClean="0"/>
-              <a:t>20/10/2020</a:t>
+              <a:t>21/10/2020</a:t>
             </a:fld>
             <a:endParaRPr lang="fr-FR"/>
           </a:p>
@@ -2365,7 +2365,7 @@
           <a:p>
             <a:fld id="{173DD0CE-C943-4E21-BC7B-7FB34C449DF0}" type="datetimeFigureOut">
               <a:rPr lang="fr-FR" smtClean="0"/>
-              <a:t>20/10/2020</a:t>
+              <a:t>21/10/2020</a:t>
             </a:fld>
             <a:endParaRPr lang="fr-FR"/>
           </a:p>
@@ -2578,7 +2578,7 @@
           <a:p>
             <a:fld id="{173DD0CE-C943-4E21-BC7B-7FB34C449DF0}" type="datetimeFigureOut">
               <a:rPr lang="fr-FR" smtClean="0"/>
-              <a:t>20/10/2020</a:t>
+              <a:t>21/10/2020</a:t>
             </a:fld>
             <a:endParaRPr lang="fr-FR"/>
           </a:p>
@@ -4115,7 +4115,7 @@
           <a:p>
             <a:r>
               <a:rPr lang="fr-FR" sz="2500" dirty="0"/>
-              <a:t>Cylindre 510 mm avec diamètre 60mm =&gt; 1.44 e-3 m^3</a:t>
+              <a:t>Cylindre L. 510 mm x ɸ60mm =&gt; 1.44 e-3 m^3</a:t>
             </a:r>
           </a:p>
           <a:p>
